--- a/Omoyeni_Ogundipe_Shittu_Olayemi_Presentation.pptx
+++ b/Omoyeni_Ogundipe_Shittu_Olayemi_Presentation.pptx
@@ -275,7 +275,7 @@
           <a:p>
             <a:fld id="{1D8BD707-D9CF-40AE-B4C6-C98DA3205C09}" type="datetimeFigureOut">
               <a:rPr lang="en-US"/>
-              <a:t>11/30/22</a:t>
+              <a:t>12/1/22</a:t>
             </a:fld>
             <a:endParaRPr lang="en-US"/>
           </a:p>
@@ -452,7 +452,7 @@
           <a:p>
             <a:fld id="{1D8BD707-D9CF-40AE-B4C6-C98DA3205C09}" type="datetimeFigureOut">
               <a:rPr lang="en-US"/>
-              <a:t>11/30/22</a:t>
+              <a:t>12/1/22</a:t>
             </a:fld>
             <a:endParaRPr lang="en-US"/>
           </a:p>
@@ -666,7 +666,7 @@
           <a:p>
             <a:fld id="{1D8BD707-D9CF-40AE-B4C6-C98DA3205C09}" type="datetimeFigureOut">
               <a:rPr lang="en-US"/>
-              <a:t>11/30/22</a:t>
+              <a:t>12/1/22</a:t>
             </a:fld>
             <a:endParaRPr lang="en-US"/>
           </a:p>
@@ -814,7 +814,7 @@
           <a:p>
             <a:fld id="{1D8BD707-D9CF-40AE-B4C6-C98DA3205C09}" type="datetimeFigureOut">
               <a:rPr lang="en-US"/>
-              <a:t>11/30/22</a:t>
+              <a:t>12/1/22</a:t>
             </a:fld>
             <a:endParaRPr lang="en-US"/>
           </a:p>
@@ -993,7 +993,7 @@
           <a:p>
             <a:fld id="{1D8BD707-D9CF-40AE-B4C6-C98DA3205C09}" type="datetimeFigureOut">
               <a:rPr lang="en-US"/>
-              <a:t>11/30/22</a:t>
+              <a:t>12/1/22</a:t>
             </a:fld>
             <a:endParaRPr lang="en-US"/>
           </a:p>
@@ -1310,7 +1310,7 @@
           <a:p>
             <a:fld id="{1D8BD707-D9CF-40AE-B4C6-C98DA3205C09}" type="datetimeFigureOut">
               <a:rPr lang="en-US"/>
-              <a:t>11/30/22</a:t>
+              <a:t>12/1/22</a:t>
             </a:fld>
             <a:endParaRPr lang="en-US"/>
           </a:p>
@@ -2639,7 +2639,7 @@
         </p:blipFill>
         <p:spPr>
           <a:xfrm>
-            <a:off x="1524000" y="838200"/>
+            <a:off x="1638300" y="1409700"/>
             <a:ext cx="8915399" cy="4038600"/>
           </a:xfrm>
           <a:prstGeom prst="rect">
